--- a/sha.pptx
+++ b/sha.pptx
@@ -105,6 +105,11 @@
       </a:defRPr>
     </a:lvl9pPr>
   </p:defaultTextStyle>
+  <p:extLst>
+    <p:ext uri="{EFAFB233-063F-42B5-8137-9DF3F51BA10A}">
+      <p15:sldGuideLst xmlns:p15="http://schemas.microsoft.com/office/powerpoint/2012/main"/>
+    </p:ext>
+  </p:extLst>
 </p:presentation>
 </file>
 
@@ -241,7 +246,7 @@
           <a:p>
             <a:fld id="{48A87A34-81AB-432B-8DAE-1953F412C126}" type="datetimeFigureOut">
               <a:rPr lang="en-US" dirty="0"/>
-              <a:t>1/13/2020</a:t>
+              <a:t>1/16/2020</a:t>
             </a:fld>
             <a:endParaRPr lang="en-US" dirty="0"/>
           </a:p>
@@ -523,7 +528,7 @@
           <a:p>
             <a:fld id="{48A87A34-81AB-432B-8DAE-1953F412C126}" type="datetimeFigureOut">
               <a:rPr lang="en-US" dirty="0"/>
-              <a:t>1/13/2020</a:t>
+              <a:t>1/16/2020</a:t>
             </a:fld>
             <a:endParaRPr lang="en-US" dirty="0"/>
           </a:p>
@@ -710,7 +715,7 @@
           <a:p>
             <a:fld id="{48A87A34-81AB-432B-8DAE-1953F412C126}" type="datetimeFigureOut">
               <a:rPr lang="en-US" dirty="0"/>
-              <a:t>1/13/2020</a:t>
+              <a:t>1/16/2020</a:t>
             </a:fld>
             <a:endParaRPr lang="en-US" dirty="0"/>
           </a:p>
@@ -966,7 +971,7 @@
           <a:p>
             <a:fld id="{48A87A34-81AB-432B-8DAE-1953F412C126}" type="datetimeFigureOut">
               <a:rPr lang="en-US" dirty="0"/>
-              <a:t>1/13/2020</a:t>
+              <a:t>1/16/2020</a:t>
             </a:fld>
             <a:endParaRPr lang="en-US" dirty="0"/>
           </a:p>
@@ -1385,7 +1390,7 @@
           <a:p>
             <a:fld id="{48A87A34-81AB-432B-8DAE-1953F412C126}" type="datetimeFigureOut">
               <a:rPr lang="en-US" dirty="0"/>
-              <a:t>1/13/2020</a:t>
+              <a:t>1/16/2020</a:t>
             </a:fld>
             <a:endParaRPr lang="en-US" dirty="0"/>
           </a:p>
@@ -1926,7 +1931,7 @@
           <a:p>
             <a:fld id="{48A87A34-81AB-432B-8DAE-1953F412C126}" type="datetimeFigureOut">
               <a:rPr lang="en-US" dirty="0"/>
-              <a:t>1/13/2020</a:t>
+              <a:t>1/16/2020</a:t>
             </a:fld>
             <a:endParaRPr lang="en-US" dirty="0"/>
           </a:p>
@@ -2761,7 +2766,7 @@
           <a:p>
             <a:fld id="{48A87A34-81AB-432B-8DAE-1953F412C126}" type="datetimeFigureOut">
               <a:rPr lang="en-US" dirty="0"/>
-              <a:t>1/13/2020</a:t>
+              <a:t>1/16/2020</a:t>
             </a:fld>
             <a:endParaRPr lang="en-US" dirty="0"/>
           </a:p>
@@ -2926,7 +2931,7 @@
           <a:p>
             <a:fld id="{48A87A34-81AB-432B-8DAE-1953F412C126}" type="datetimeFigureOut">
               <a:rPr lang="en-US" dirty="0"/>
-              <a:t>1/13/2020</a:t>
+              <a:t>1/16/2020</a:t>
             </a:fld>
             <a:endParaRPr lang="en-US" dirty="0"/>
           </a:p>
@@ -3105,7 +3110,7 @@
           <a:p>
             <a:fld id="{48A87A34-81AB-432B-8DAE-1953F412C126}" type="datetimeFigureOut">
               <a:rPr lang="en-US" dirty="0"/>
-              <a:t>1/13/2020</a:t>
+              <a:t>1/16/2020</a:t>
             </a:fld>
             <a:endParaRPr lang="en-US" dirty="0"/>
           </a:p>
@@ -3270,7 +3275,7 @@
           <a:p>
             <a:fld id="{48A87A34-81AB-432B-8DAE-1953F412C126}" type="datetimeFigureOut">
               <a:rPr lang="en-US" dirty="0"/>
-              <a:t>1/13/2020</a:t>
+              <a:t>1/16/2020</a:t>
             </a:fld>
             <a:endParaRPr lang="en-US" dirty="0"/>
           </a:p>
@@ -3513,7 +3518,7 @@
           <a:p>
             <a:fld id="{48A87A34-81AB-432B-8DAE-1953F412C126}" type="datetimeFigureOut">
               <a:rPr lang="en-US" dirty="0"/>
-              <a:t>1/13/2020</a:t>
+              <a:t>1/16/2020</a:t>
             </a:fld>
             <a:endParaRPr lang="en-US" dirty="0"/>
           </a:p>
@@ -3745,7 +3750,7 @@
           <a:p>
             <a:fld id="{48A87A34-81AB-432B-8DAE-1953F412C126}" type="datetimeFigureOut">
               <a:rPr lang="en-US" dirty="0"/>
-              <a:t>1/13/2020</a:t>
+              <a:t>1/16/2020</a:t>
             </a:fld>
             <a:endParaRPr lang="en-US" dirty="0"/>
           </a:p>
@@ -4113,7 +4118,7 @@
           <a:p>
             <a:fld id="{48A87A34-81AB-432B-8DAE-1953F412C126}" type="datetimeFigureOut">
               <a:rPr lang="en-US" dirty="0"/>
-              <a:t>1/13/2020</a:t>
+              <a:t>1/16/2020</a:t>
             </a:fld>
             <a:endParaRPr lang="en-US" dirty="0"/>
           </a:p>
@@ -4226,7 +4231,7 @@
           <a:p>
             <a:fld id="{48A87A34-81AB-432B-8DAE-1953F412C126}" type="datetimeFigureOut">
               <a:rPr lang="en-US" dirty="0"/>
-              <a:t>1/13/2020</a:t>
+              <a:t>1/16/2020</a:t>
             </a:fld>
             <a:endParaRPr lang="en-US" dirty="0"/>
           </a:p>
@@ -4316,7 +4321,7 @@
           <a:p>
             <a:fld id="{48A87A34-81AB-432B-8DAE-1953F412C126}" type="datetimeFigureOut">
               <a:rPr lang="en-US" dirty="0"/>
-              <a:t>1/13/2020</a:t>
+              <a:t>1/16/2020</a:t>
             </a:fld>
             <a:endParaRPr lang="en-US" dirty="0"/>
           </a:p>
@@ -4562,7 +4567,7 @@
           <a:p>
             <a:fld id="{48A87A34-81AB-432B-8DAE-1953F412C126}" type="datetimeFigureOut">
               <a:rPr lang="en-US" dirty="0"/>
-              <a:t>1/13/2020</a:t>
+              <a:t>1/16/2020</a:t>
             </a:fld>
             <a:endParaRPr lang="en-US" dirty="0"/>
           </a:p>
@@ -4844,7 +4849,7 @@
           <a:p>
             <a:fld id="{48A87A34-81AB-432B-8DAE-1953F412C126}" type="datetimeFigureOut">
               <a:rPr lang="en-US" dirty="0"/>
-              <a:t>1/13/2020</a:t>
+              <a:t>1/16/2020</a:t>
             </a:fld>
             <a:endParaRPr lang="en-US" dirty="0"/>
           </a:p>
@@ -5053,7 +5058,7 @@
             <a:fld id="{48A87A34-81AB-432B-8DAE-1953F412C126}" type="datetimeFigureOut">
               <a:rPr lang="en-US" dirty="0"/>
               <a:pPr/>
-              <a:t>1/13/2020</a:t>
+              <a:t>1/16/2020</a:t>
             </a:fld>
             <a:endParaRPr lang="en-US" dirty="0"/>
           </a:p>
@@ -5605,46 +5610,6 @@
           <a:chExt cx="0" cy="0"/>
         </a:xfrm>
       </p:grpSpPr>
-      <p:sp>
-        <p:nvSpPr>
-          <p:cNvPr id="2" name="Title 1"/>
-          <p:cNvSpPr>
-            <a:spLocks noGrp="1"/>
-          </p:cNvSpPr>
-          <p:nvPr>
-            <p:ph type="title"/>
-          </p:nvPr>
-        </p:nvSpPr>
-        <p:spPr>
-          <a:xfrm>
-            <a:off x="951895" y="0"/>
-            <a:ext cx="10353761" cy="1326321"/>
-          </a:xfrm>
-        </p:spPr>
-        <p:txBody>
-          <a:bodyPr/>
-          <a:lstStyle/>
-          <a:p>
-            <a:r>
-              <a:rPr lang="en-US" dirty="0" smtClean="0">
-                <a:solidFill>
-                  <a:schemeClr val="tx2">
-                    <a:lumMod val="90000"/>
-                  </a:schemeClr>
-                </a:solidFill>
-              </a:rPr>
-              <a:t>Technologies used</a:t>
-            </a:r>
-            <a:endParaRPr lang="en-IN" dirty="0">
-              <a:solidFill>
-                <a:schemeClr val="tx2">
-                  <a:lumMod val="90000"/>
-                </a:schemeClr>
-              </a:solidFill>
-            </a:endParaRPr>
-          </a:p>
-        </p:txBody>
-      </p:sp>
       <p:pic>
         <p:nvPicPr>
           <p:cNvPr id="1026" name="Picture 2" descr="Image result for html logo"/>
@@ -5670,7 +5635,7 @@
         </p:blipFill>
         <p:spPr bwMode="auto">
           <a:xfrm>
-            <a:off x="5469975" y="3900552"/>
+            <a:off x="5464414" y="3367120"/>
             <a:ext cx="2882950" cy="1388173"/>
           </a:xfrm>
           <a:prstGeom prst="rect">
@@ -5711,7 +5676,7 @@
         </p:blipFill>
         <p:spPr bwMode="auto">
           <a:xfrm>
-            <a:off x="5823975" y="1216406"/>
+            <a:off x="5823974" y="667803"/>
             <a:ext cx="1870047" cy="1350014"/>
           </a:xfrm>
           <a:prstGeom prst="rect">
@@ -5745,8 +5710,8 @@
         </p:blipFill>
         <p:spPr>
           <a:xfrm>
-            <a:off x="1624397" y="5217426"/>
-            <a:ext cx="1699384" cy="1653274"/>
+            <a:off x="2442171" y="4711119"/>
+            <a:ext cx="1923078" cy="1653274"/>
           </a:xfrm>
           <a:prstGeom prst="rect">
             <a:avLst/>
@@ -5776,7 +5741,7 @@
         </p:blipFill>
         <p:spPr bwMode="auto">
           <a:xfrm>
-            <a:off x="2876970" y="3895594"/>
+            <a:off x="2876970" y="3362012"/>
             <a:ext cx="2776346" cy="1388173"/>
           </a:xfrm>
           <a:prstGeom prst="rect">
@@ -5817,7 +5782,7 @@
         </p:blipFill>
         <p:spPr bwMode="auto">
           <a:xfrm>
-            <a:off x="8352925" y="3895594"/>
+            <a:off x="8325727" y="3363264"/>
             <a:ext cx="2776345" cy="1388173"/>
           </a:xfrm>
           <a:prstGeom prst="rect">
@@ -5858,7 +5823,7 @@
         </p:blipFill>
         <p:spPr bwMode="auto">
           <a:xfrm>
-            <a:off x="4912770" y="2558145"/>
+            <a:off x="4896647" y="2027977"/>
             <a:ext cx="2205251" cy="1340767"/>
           </a:xfrm>
           <a:prstGeom prst="rect">
@@ -5899,7 +5864,7 @@
         </p:blipFill>
         <p:spPr bwMode="auto">
           <a:xfrm>
-            <a:off x="7101898" y="2555427"/>
+            <a:off x="7101898" y="2027976"/>
             <a:ext cx="1340767" cy="1340767"/>
           </a:xfrm>
           <a:prstGeom prst="rect">
@@ -5940,8 +5905,8 @@
         </p:blipFill>
         <p:spPr bwMode="auto">
           <a:xfrm>
-            <a:off x="3326850" y="5280383"/>
-            <a:ext cx="1595425" cy="1595425"/>
+            <a:off x="4350842" y="4740044"/>
+            <a:ext cx="2304315" cy="1624349"/>
           </a:xfrm>
           <a:prstGeom prst="rect">
             <a:avLst/>
@@ -5960,7 +5925,7 @@
       </p:pic>
       <p:pic>
         <p:nvPicPr>
-          <p:cNvPr id="1058" name="Picture 34" descr="Related image"/>
+          <p:cNvPr id="1060" name="Picture 36" descr="Related image"/>
           <p:cNvPicPr>
             <a:picLocks noChangeAspect="1" noChangeArrowheads="1"/>
           </p:cNvPicPr>
@@ -5981,8 +5946,8 @@
         </p:blipFill>
         <p:spPr bwMode="auto">
           <a:xfrm>
-            <a:off x="4927372" y="5280382"/>
-            <a:ext cx="2760830" cy="1577617"/>
+            <a:off x="6654800" y="4743845"/>
+            <a:ext cx="3022600" cy="1621638"/>
           </a:xfrm>
           <a:prstGeom prst="rect">
             <a:avLst/>
@@ -6001,7 +5966,7 @@
       </p:pic>
       <p:pic>
         <p:nvPicPr>
-          <p:cNvPr id="1060" name="Picture 36" descr="Related image"/>
+          <p:cNvPr id="1064" name="Picture 40" descr="Image result for eclipse mars logo"/>
           <p:cNvPicPr>
             <a:picLocks noChangeAspect="1" noChangeArrowheads="1"/>
           </p:cNvPicPr>
@@ -6022,8 +5987,8 @@
         </p:blipFill>
         <p:spPr bwMode="auto">
           <a:xfrm>
-            <a:off x="7688202" y="5236361"/>
-            <a:ext cx="2882912" cy="1621638"/>
+            <a:off x="9677400" y="4743845"/>
+            <a:ext cx="1930400" cy="1607848"/>
           </a:xfrm>
           <a:prstGeom prst="rect">
             <a:avLst/>
@@ -6040,47 +6005,6 @@
           </a:extLst>
         </p:spPr>
       </p:pic>
-      <p:pic>
-        <p:nvPicPr>
-          <p:cNvPr id="1064" name="Picture 40" descr="Image result for eclipse mars logo"/>
-          <p:cNvPicPr>
-            <a:picLocks noChangeAspect="1" noChangeArrowheads="1"/>
-          </p:cNvPicPr>
-          <p:nvPr/>
-        </p:nvPicPr>
-        <p:blipFill>
-          <a:blip r:embed="rId12">
-            <a:extLst>
-              <a:ext uri="{28A0092B-C50C-407E-A947-70E740481C1C}">
-                <a14:useLocalDpi xmlns:a14="http://schemas.microsoft.com/office/drawing/2010/main" val="0"/>
-              </a:ext>
-            </a:extLst>
-          </a:blip>
-          <a:srcRect/>
-          <a:stretch>
-            <a:fillRect/>
-          </a:stretch>
-        </p:blipFill>
-        <p:spPr bwMode="auto">
-          <a:xfrm>
-            <a:off x="10569087" y="5236361"/>
-            <a:ext cx="1621638" cy="1621638"/>
-          </a:xfrm>
-          <a:prstGeom prst="rect">
-            <a:avLst/>
-          </a:prstGeom>
-          <a:noFill/>
-          <a:extLst>
-            <a:ext uri="{909E8E84-426E-40DD-AFC4-6F175D3DCCD1}">
-              <a14:hiddenFill xmlns:a14="http://schemas.microsoft.com/office/drawing/2010/main">
-                <a:solidFill>
-                  <a:srgbClr val="FFFFFF"/>
-                </a:solidFill>
-              </a14:hiddenFill>
-            </a:ext>
-          </a:extLst>
-        </p:spPr>
-      </p:pic>
       <p:sp>
         <p:nvSpPr>
           <p:cNvPr id="14" name="TextBox 13"/>
@@ -6089,7 +6013,7 @@
         </p:nvSpPr>
         <p:spPr>
           <a:xfrm>
-            <a:off x="0" y="1617708"/>
+            <a:off x="-81867" y="1067064"/>
             <a:ext cx="1471997" cy="800219"/>
           </a:xfrm>
           <a:prstGeom prst="rect">
@@ -6139,7 +6063,7 @@
         </p:nvSpPr>
         <p:spPr>
           <a:xfrm>
-            <a:off x="2082799" y="1665996"/>
+            <a:off x="2067161" y="1149357"/>
             <a:ext cx="3741175" cy="399510"/>
           </a:xfrm>
           <a:prstGeom prst="rightArrow">
@@ -6179,7 +6103,7 @@
         </p:nvSpPr>
         <p:spPr>
           <a:xfrm>
-            <a:off x="0" y="2849532"/>
+            <a:off x="-223144" y="2491397"/>
             <a:ext cx="1968499" cy="461665"/>
           </a:xfrm>
           <a:prstGeom prst="rect">
@@ -6225,7 +6149,7 @@
         </p:nvSpPr>
         <p:spPr>
           <a:xfrm>
-            <a:off x="2082799" y="2897820"/>
+            <a:off x="2066676" y="2522475"/>
             <a:ext cx="2829971" cy="399510"/>
           </a:xfrm>
           <a:prstGeom prst="rightArrow">
@@ -6265,7 +6189,7 @@
         </p:nvSpPr>
         <p:spPr>
           <a:xfrm>
-            <a:off x="-174004" y="4258320"/>
+            <a:off x="-309431" y="3782105"/>
             <a:ext cx="1968499" cy="461665"/>
           </a:xfrm>
           <a:prstGeom prst="rect">
@@ -6311,7 +6235,7 @@
         </p:nvSpPr>
         <p:spPr>
           <a:xfrm>
-            <a:off x="1908795" y="4306608"/>
+            <a:off x="1907789" y="3837137"/>
             <a:ext cx="968175" cy="399510"/>
           </a:xfrm>
           <a:prstGeom prst="rightArrow">
@@ -6351,7 +6275,7 @@
         </p:nvSpPr>
         <p:spPr>
           <a:xfrm>
-            <a:off x="907883" y="6069190"/>
+            <a:off x="906871" y="5753773"/>
             <a:ext cx="659626" cy="399510"/>
           </a:xfrm>
           <a:prstGeom prst="rightArrow">
@@ -6391,7 +6315,7 @@
         </p:nvSpPr>
         <p:spPr>
           <a:xfrm>
-            <a:off x="-261260" y="5436275"/>
+            <a:off x="-330117" y="5120063"/>
             <a:ext cx="1968499" cy="461665"/>
           </a:xfrm>
           <a:prstGeom prst="rect">
